--- a/졸업작품 EasyGoing 문서/EASYGOING_조승환.pptx
+++ b/졸업작품 EasyGoing 문서/EASYGOING_조승환.pptx
@@ -211,7 +211,7 @@
           <a:p>
             <a:fld id="{E4BDB764-4AB8-4506-B7F9-08120B37628C}" type="datetimeFigureOut">
               <a:rPr lang="ko-KR" altLang="en-US" smtClean="0"/>
-              <a:t>2016-12-23</a:t>
+              <a:t>2017-01-12</a:t>
             </a:fld>
             <a:endParaRPr lang="ko-KR" altLang="en-US"/>
           </a:p>
@@ -377,7 +377,7 @@
           <a:p>
             <a:fld id="{1F947289-8A72-4834-91A1-1A7A4F23F171}" type="datetimeFigureOut">
               <a:rPr lang="ko-KR" altLang="en-US" smtClean="0"/>
-              <a:t>2016-12-23</a:t>
+              <a:t>2017-01-12</a:t>
             </a:fld>
             <a:endParaRPr lang="ko-KR" altLang="en-US"/>
           </a:p>
@@ -1077,7 +1077,7 @@
           <a:p>
             <a:fld id="{07E00F02-2FB2-4F42-BCD5-E206EFC0B97A}" type="datetime1">
               <a:rPr lang="ko-KR" altLang="en-US" smtClean="0"/>
-              <a:t>2016-12-23</a:t>
+              <a:t>2017-01-12</a:t>
             </a:fld>
             <a:endParaRPr lang="ko-KR" altLang="en-US"/>
           </a:p>
@@ -1290,7 +1290,7 @@
           <a:p>
             <a:fld id="{7C6FCF42-5A79-4108-9A05-607A058D9974}" type="datetime1">
               <a:rPr lang="ko-KR" altLang="en-US" smtClean="0"/>
-              <a:t>2016-12-23</a:t>
+              <a:t>2017-01-12</a:t>
             </a:fld>
             <a:endParaRPr lang="ko-KR" altLang="en-US"/>
           </a:p>
@@ -1557,7 +1557,7 @@
           <a:p>
             <a:fld id="{B31DBC9F-A07A-4ED1-B37A-5CD15E11771C}" type="datetime1">
               <a:rPr lang="ko-KR" altLang="en-US" smtClean="0"/>
-              <a:t>2016-12-23</a:t>
+              <a:t>2017-01-12</a:t>
             </a:fld>
             <a:endParaRPr lang="ko-KR" altLang="en-US"/>
           </a:p>
@@ -1707,7 +1707,7 @@
           <a:p>
             <a:fld id="{5F30ACF9-647A-4A4B-86FF-2FF353CAD7C8}" type="datetime1">
               <a:rPr lang="ko-KR" altLang="en-US" smtClean="0"/>
-              <a:t>2016-12-23</a:t>
+              <a:t>2017-01-12</a:t>
             </a:fld>
             <a:endParaRPr lang="ko-KR" altLang="en-US"/>
           </a:p>
@@ -2037,7 +2037,7 @@
           <a:p>
             <a:fld id="{BB98831A-C8F0-4078-A918-6B5FCCB15B08}" type="datetime1">
               <a:rPr lang="ko-KR" altLang="en-US" smtClean="0"/>
-              <a:t>2016-12-23</a:t>
+              <a:t>2017-01-12</a:t>
             </a:fld>
             <a:endParaRPr lang="ko-KR" altLang="en-US"/>
           </a:p>
@@ -2345,7 +2345,7 @@
           <a:p>
             <a:fld id="{638F436E-3D8D-465B-9941-C2ED00683AEE}" type="datetime1">
               <a:rPr lang="ko-KR" altLang="en-US" smtClean="0"/>
-              <a:t>2016-12-23</a:t>
+              <a:t>2017-01-12</a:t>
             </a:fld>
             <a:endParaRPr lang="ko-KR" altLang="en-US"/>
           </a:p>
@@ -2766,7 +2766,7 @@
           <a:p>
             <a:fld id="{8419976F-3EB8-44A6-8AFD-A5115CD1EF99}" type="datetime1">
               <a:rPr lang="ko-KR" altLang="en-US" smtClean="0"/>
-              <a:t>2016-12-23</a:t>
+              <a:t>2017-01-12</a:t>
             </a:fld>
             <a:endParaRPr lang="ko-KR" altLang="en-US"/>
           </a:p>
@@ -2879,7 +2879,7 @@
           <a:p>
             <a:fld id="{732937CA-15F4-4D91-A1BE-133F6636C220}" type="datetime1">
               <a:rPr lang="ko-KR" altLang="en-US" smtClean="0"/>
-              <a:t>2016-12-23</a:t>
+              <a:t>2017-01-12</a:t>
             </a:fld>
             <a:endParaRPr lang="ko-KR" altLang="en-US"/>
           </a:p>
@@ -3038,7 +3038,7 @@
           <a:p>
             <a:fld id="{44A4D533-49F7-4970-8113-78DB1CA592B7}" type="datetime1">
               <a:rPr lang="ko-KR" altLang="en-US" smtClean="0"/>
-              <a:t>2016-12-23</a:t>
+              <a:t>2017-01-12</a:t>
             </a:fld>
             <a:endParaRPr lang="ko-KR" altLang="en-US"/>
           </a:p>
@@ -3422,7 +3422,7 @@
           <a:p>
             <a:fld id="{32DF1B6E-4502-4127-A552-5A2FD8A4D729}" type="datetime1">
               <a:rPr lang="ko-KR" altLang="en-US" smtClean="0"/>
-              <a:t>2016-12-23</a:t>
+              <a:t>2017-01-12</a:t>
             </a:fld>
             <a:endParaRPr lang="ko-KR" altLang="en-US"/>
           </a:p>
@@ -3784,7 +3784,7 @@
           <a:p>
             <a:fld id="{7C5F3675-04ED-4AF0-870A-D2FFB2D68652}" type="datetime1">
               <a:rPr lang="ko-KR" altLang="en-US" smtClean="0"/>
-              <a:t>2016-12-23</a:t>
+              <a:t>2017-01-12</a:t>
             </a:fld>
             <a:endParaRPr lang="ko-KR" altLang="en-US"/>
           </a:p>
@@ -4118,7 +4118,7 @@
           <a:p>
             <a:fld id="{003E7EBB-A861-4D83-8E9B-F35F05D03D7B}" type="datetime1">
               <a:rPr lang="ko-KR" altLang="en-US" smtClean="0"/>
-              <a:t>2016-12-23</a:t>
+              <a:t>2017-01-12</a:t>
             </a:fld>
             <a:endParaRPr lang="ko-KR" altLang="en-US"/>
           </a:p>
@@ -5964,7 +5964,6 @@
               <a:rPr lang="en-US" altLang="ko-KR" sz="2800" dirty="0" smtClean="0"/>
               <a:t>MYSQL</a:t>
             </a:r>
-            <a:endParaRPr lang="en-US" altLang="ko-KR" sz="2800" dirty="0" smtClean="0"/>
           </a:p>
         </p:txBody>
       </p:sp>
@@ -6117,11 +6116,7 @@
             </a:r>
             <a:r>
               <a:rPr lang="ko-KR" altLang="en-US" sz="1800" dirty="0" smtClean="0"/>
-              <a:t> </a:t>
-            </a:r>
-            <a:r>
-              <a:rPr lang="ko-KR" altLang="en-US" sz="1800" dirty="0" smtClean="0"/>
-              <a:t>기능 이용</a:t>
+              <a:t> 기능 이용</a:t>
             </a:r>
             <a:endParaRPr lang="en-US" altLang="ko-KR" sz="1800" dirty="0" smtClean="0"/>
           </a:p>
@@ -9570,14 +9565,7 @@
                 <a:latin typeface="맑은 고딕" pitchFamily="50" charset="-127"/>
                 <a:ea typeface="맑은 고딕" pitchFamily="50" charset="-127"/>
               </a:rPr>
-              <a:t>분에는 </a:t>
-            </a:r>
-            <a:r>
-              <a:rPr lang="ko-KR" altLang="en-US" sz="2400" b="1" dirty="0" smtClean="0">
-                <a:latin typeface="맑은 고딕" pitchFamily="50" charset="-127"/>
-                <a:ea typeface="맑은 고딕" pitchFamily="50" charset="-127"/>
-              </a:rPr>
-              <a:t>단 </a:t>
+              <a:t>분에는 단 </a:t>
             </a:r>
             <a:r>
               <a:rPr lang="ko-KR" altLang="en-US" sz="2400" b="1" smtClean="0">
@@ -9591,14 +9579,7 @@
                 <a:latin typeface="맑은 고딕" pitchFamily="50" charset="-127"/>
                 <a:ea typeface="맑은 고딕" pitchFamily="50" charset="-127"/>
               </a:rPr>
-              <a:t> </a:t>
-            </a:r>
-            <a:r>
-              <a:rPr lang="ko-KR" altLang="en-US" sz="2400" b="1" dirty="0" smtClean="0">
-                <a:latin typeface="맑은 고딕" pitchFamily="50" charset="-127"/>
-                <a:ea typeface="맑은 고딕" pitchFamily="50" charset="-127"/>
-              </a:rPr>
-              <a:t>올라갈 수 있는 최종장소가 </a:t>
+              <a:t> 올라갈 수 있는 최종장소가 </a:t>
             </a:r>
             <a:r>
               <a:rPr lang="ko-KR" altLang="en-US" sz="2400" b="1" dirty="0" err="1" smtClean="0">
@@ -9799,14 +9780,7 @@
                 <a:latin typeface="맑은 고딕" pitchFamily="50" charset="-127"/>
                 <a:ea typeface="맑은 고딕" pitchFamily="50" charset="-127"/>
               </a:rPr>
-              <a:t>살아남는 것이 </a:t>
-            </a:r>
-            <a:r>
-              <a:rPr lang="ko-KR" altLang="en-US" sz="2400" b="1" dirty="0" smtClean="0">
-                <a:latin typeface="맑은 고딕" pitchFamily="50" charset="-127"/>
-                <a:ea typeface="맑은 고딕" pitchFamily="50" charset="-127"/>
-              </a:rPr>
-              <a:t>목적이다</a:t>
+              <a:t>살아남는 것이 목적이다</a:t>
             </a:r>
             <a:r>
               <a:rPr lang="en-US" altLang="ko-KR" sz="2400" b="1" dirty="0" smtClean="0">
@@ -9880,14 +9854,7 @@
                 <a:latin typeface="맑은 고딕" pitchFamily="50" charset="-127"/>
                 <a:ea typeface="맑은 고딕" pitchFamily="50" charset="-127"/>
               </a:rPr>
-              <a:t>모든 플레이어를 </a:t>
-            </a:r>
-            <a:r>
-              <a:rPr lang="ko-KR" altLang="en-US" sz="2400" b="1" dirty="0" smtClean="0">
-                <a:latin typeface="맑은 고딕" pitchFamily="50" charset="-127"/>
-                <a:ea typeface="맑은 고딕" pitchFamily="50" charset="-127"/>
-              </a:rPr>
-              <a:t>사살</a:t>
+              <a:t>모든 플레이어를 사살</a:t>
             </a:r>
             <a:r>
               <a:rPr lang="en-US" altLang="ko-KR" sz="2400" b="1" dirty="0" smtClean="0">
@@ -9901,14 +9868,7 @@
                 <a:latin typeface="맑은 고딕" pitchFamily="50" charset="-127"/>
                 <a:ea typeface="맑은 고딕" pitchFamily="50" charset="-127"/>
               </a:rPr>
-              <a:t>할 </a:t>
-            </a:r>
-            <a:r>
-              <a:rPr lang="ko-KR" altLang="en-US" sz="2400" b="1" dirty="0" smtClean="0">
-                <a:latin typeface="맑은 고딕" pitchFamily="50" charset="-127"/>
-                <a:ea typeface="맑은 고딕" pitchFamily="50" charset="-127"/>
-              </a:rPr>
-              <a:t>경우</a:t>
+              <a:t>할 경우</a:t>
             </a:r>
             <a:endParaRPr lang="en-US" altLang="ko-KR" sz="2000" b="1" dirty="0" smtClean="0">
               <a:latin typeface="맑은 고딕" pitchFamily="50" charset="-127"/>
@@ -10823,218 +10783,233 @@
           </a:p>
         </p:txBody>
       </p:sp>
-      <p:sp>
-        <p:nvSpPr>
-          <p:cNvPr id="5" name="직사각형 4"/>
-          <p:cNvSpPr/>
+      <p:grpSp>
+        <p:nvGrpSpPr>
+          <p:cNvPr id="3" name="그룹 2"/>
+          <p:cNvGrpSpPr/>
           <p:nvPr/>
-        </p:nvSpPr>
-        <p:spPr>
+        </p:nvGrpSpPr>
+        <p:grpSpPr>
           <a:xfrm>
             <a:off x="477053" y="1973180"/>
             <a:ext cx="4629752" cy="4369869"/>
+            <a:chOff x="477053" y="1973180"/>
+            <a:chExt cx="4629752" cy="4369869"/>
           </a:xfrm>
-          <a:prstGeom prst="rect">
-            <a:avLst/>
-          </a:prstGeom>
-        </p:spPr>
-        <p:style>
-          <a:lnRef idx="2">
-            <a:schemeClr val="accent1">
-              <a:shade val="50000"/>
-            </a:schemeClr>
-          </a:lnRef>
-          <a:fillRef idx="1">
-            <a:schemeClr val="accent1"/>
-          </a:fillRef>
-          <a:effectRef idx="0">
-            <a:schemeClr val="accent1"/>
-          </a:effectRef>
-          <a:fontRef idx="minor">
-            <a:schemeClr val="lt1"/>
-          </a:fontRef>
-        </p:style>
-        <p:txBody>
-          <a:bodyPr rtlCol="0" anchor="ctr"/>
-          <a:lstStyle/>
-          <a:p>
-            <a:pPr algn="ctr"/>
-            <a:endParaRPr lang="ko-KR" altLang="en-US"/>
-          </a:p>
-        </p:txBody>
-      </p:sp>
-      <p:sp>
-        <p:nvSpPr>
-          <p:cNvPr id="6" name="모서리가 둥근 직사각형 5"/>
-          <p:cNvSpPr/>
-          <p:nvPr/>
-        </p:nvSpPr>
-        <p:spPr>
-          <a:xfrm>
-            <a:off x="610002" y="2098308"/>
-            <a:ext cx="2166285" cy="2030930"/>
-          </a:xfrm>
-          <a:prstGeom prst="roundRect">
-            <a:avLst/>
-          </a:prstGeom>
-          <a:ln/>
-        </p:spPr>
-        <p:style>
-          <a:lnRef idx="3">
-            <a:schemeClr val="lt1"/>
-          </a:lnRef>
-          <a:fillRef idx="1">
-            <a:schemeClr val="accent2"/>
-          </a:fillRef>
-          <a:effectRef idx="1">
-            <a:schemeClr val="accent2"/>
-          </a:effectRef>
-          <a:fontRef idx="minor">
-            <a:schemeClr val="lt1"/>
-          </a:fontRef>
-        </p:style>
-        <p:txBody>
-          <a:bodyPr rtlCol="0" anchor="ctr"/>
-          <a:lstStyle/>
-          <a:p>
-            <a:pPr algn="ctr"/>
-            <a:r>
-              <a:rPr lang="ko-KR" altLang="en-US" dirty="0" smtClean="0"/>
-              <a:t>활성화</a:t>
-            </a:r>
-            <a:endParaRPr lang="ko-KR" altLang="en-US" dirty="0"/>
-          </a:p>
-        </p:txBody>
-      </p:sp>
-      <p:sp>
-        <p:nvSpPr>
-          <p:cNvPr id="18" name="모서리가 둥근 직사각형 17"/>
-          <p:cNvSpPr/>
-          <p:nvPr/>
-        </p:nvSpPr>
-        <p:spPr>
-          <a:xfrm>
-            <a:off x="610001" y="4177363"/>
-            <a:ext cx="2166285" cy="2030930"/>
-          </a:xfrm>
-          <a:prstGeom prst="roundRect">
-            <a:avLst/>
-          </a:prstGeom>
-          <a:ln/>
-        </p:spPr>
-        <p:style>
-          <a:lnRef idx="3">
-            <a:schemeClr val="lt1"/>
-          </a:lnRef>
-          <a:fillRef idx="1">
-            <a:schemeClr val="accent2"/>
-          </a:fillRef>
-          <a:effectRef idx="1">
-            <a:schemeClr val="accent2"/>
-          </a:effectRef>
-          <a:fontRef idx="minor">
-            <a:schemeClr val="lt1"/>
-          </a:fontRef>
-        </p:style>
-        <p:txBody>
-          <a:bodyPr rtlCol="0" anchor="ctr"/>
-          <a:lstStyle/>
-          <a:p>
-            <a:pPr algn="ctr"/>
-            <a:r>
-              <a:rPr lang="ko-KR" altLang="en-US" dirty="0" smtClean="0"/>
-              <a:t>활성화</a:t>
-            </a:r>
-            <a:endParaRPr lang="ko-KR" altLang="en-US" dirty="0"/>
-          </a:p>
-        </p:txBody>
-      </p:sp>
-      <p:sp>
-        <p:nvSpPr>
-          <p:cNvPr id="19" name="모서리가 둥근 직사각형 18"/>
-          <p:cNvSpPr/>
-          <p:nvPr/>
-        </p:nvSpPr>
-        <p:spPr>
-          <a:xfrm>
-            <a:off x="2799750" y="2098308"/>
-            <a:ext cx="2166285" cy="2030930"/>
-          </a:xfrm>
-          <a:prstGeom prst="roundRect">
-            <a:avLst/>
-          </a:prstGeom>
-          <a:ln/>
-        </p:spPr>
-        <p:style>
-          <a:lnRef idx="3">
-            <a:schemeClr val="lt1"/>
-          </a:lnRef>
-          <a:fillRef idx="1">
-            <a:schemeClr val="dk1"/>
-          </a:fillRef>
-          <a:effectRef idx="1">
-            <a:schemeClr val="dk1"/>
-          </a:effectRef>
-          <a:fontRef idx="minor">
-            <a:schemeClr val="lt1"/>
-          </a:fontRef>
-        </p:style>
-        <p:txBody>
-          <a:bodyPr rtlCol="0" anchor="ctr"/>
-          <a:lstStyle/>
-          <a:p>
-            <a:pPr algn="ctr"/>
-            <a:r>
-              <a:rPr lang="ko-KR" altLang="en-US" dirty="0" smtClean="0"/>
-              <a:t>비활성화</a:t>
-            </a:r>
-            <a:endParaRPr lang="ko-KR" altLang="en-US" dirty="0"/>
-          </a:p>
-        </p:txBody>
-      </p:sp>
-      <p:sp>
-        <p:nvSpPr>
-          <p:cNvPr id="20" name="모서리가 둥근 직사각형 19"/>
-          <p:cNvSpPr/>
-          <p:nvPr/>
-        </p:nvSpPr>
-        <p:spPr>
-          <a:xfrm>
-            <a:off x="2799750" y="4177363"/>
-            <a:ext cx="2166285" cy="2030930"/>
-          </a:xfrm>
-          <a:prstGeom prst="roundRect">
-            <a:avLst/>
-          </a:prstGeom>
-          <a:ln/>
-        </p:spPr>
-        <p:style>
-          <a:lnRef idx="3">
-            <a:schemeClr val="lt1"/>
-          </a:lnRef>
-          <a:fillRef idx="1">
-            <a:schemeClr val="accent2"/>
-          </a:fillRef>
-          <a:effectRef idx="1">
-            <a:schemeClr val="accent2"/>
-          </a:effectRef>
-          <a:fontRef idx="minor">
-            <a:schemeClr val="lt1"/>
-          </a:fontRef>
-        </p:style>
-        <p:txBody>
-          <a:bodyPr rtlCol="0" anchor="ctr"/>
-          <a:lstStyle/>
-          <a:p>
-            <a:pPr algn="ctr"/>
-            <a:r>
-              <a:rPr lang="ko-KR" altLang="en-US" dirty="0" smtClean="0"/>
-              <a:t>활성화</a:t>
-            </a:r>
-            <a:endParaRPr lang="ko-KR" altLang="en-US" dirty="0"/>
-          </a:p>
-        </p:txBody>
-      </p:sp>
+        </p:grpSpPr>
+        <p:sp>
+          <p:nvSpPr>
+            <p:cNvPr id="5" name="직사각형 4"/>
+            <p:cNvSpPr/>
+            <p:nvPr/>
+          </p:nvSpPr>
+          <p:spPr>
+            <a:xfrm>
+              <a:off x="477053" y="1973180"/>
+              <a:ext cx="4629752" cy="4369869"/>
+            </a:xfrm>
+            <a:prstGeom prst="rect">
+              <a:avLst/>
+            </a:prstGeom>
+          </p:spPr>
+          <p:style>
+            <a:lnRef idx="2">
+              <a:schemeClr val="accent1">
+                <a:shade val="50000"/>
+              </a:schemeClr>
+            </a:lnRef>
+            <a:fillRef idx="1">
+              <a:schemeClr val="accent1"/>
+            </a:fillRef>
+            <a:effectRef idx="0">
+              <a:schemeClr val="accent1"/>
+            </a:effectRef>
+            <a:fontRef idx="minor">
+              <a:schemeClr val="lt1"/>
+            </a:fontRef>
+          </p:style>
+          <p:txBody>
+            <a:bodyPr rtlCol="0" anchor="ctr"/>
+            <a:lstStyle/>
+            <a:p>
+              <a:pPr algn="ctr"/>
+              <a:endParaRPr lang="ko-KR" altLang="en-US"/>
+            </a:p>
+          </p:txBody>
+        </p:sp>
+        <p:sp>
+          <p:nvSpPr>
+            <p:cNvPr id="6" name="모서리가 둥근 직사각형 5"/>
+            <p:cNvSpPr/>
+            <p:nvPr/>
+          </p:nvSpPr>
+          <p:spPr>
+            <a:xfrm>
+              <a:off x="610002" y="2098308"/>
+              <a:ext cx="2166285" cy="2030930"/>
+            </a:xfrm>
+            <a:prstGeom prst="roundRect">
+              <a:avLst/>
+            </a:prstGeom>
+            <a:ln/>
+          </p:spPr>
+          <p:style>
+            <a:lnRef idx="3">
+              <a:schemeClr val="lt1"/>
+            </a:lnRef>
+            <a:fillRef idx="1">
+              <a:schemeClr val="accent2"/>
+            </a:fillRef>
+            <a:effectRef idx="1">
+              <a:schemeClr val="accent2"/>
+            </a:effectRef>
+            <a:fontRef idx="minor">
+              <a:schemeClr val="lt1"/>
+            </a:fontRef>
+          </p:style>
+          <p:txBody>
+            <a:bodyPr rtlCol="0" anchor="ctr"/>
+            <a:lstStyle/>
+            <a:p>
+              <a:pPr algn="ctr"/>
+              <a:r>
+                <a:rPr lang="ko-KR" altLang="en-US" dirty="0" smtClean="0"/>
+                <a:t>활성화</a:t>
+              </a:r>
+              <a:endParaRPr lang="ko-KR" altLang="en-US" dirty="0"/>
+            </a:p>
+          </p:txBody>
+        </p:sp>
+        <p:sp>
+          <p:nvSpPr>
+            <p:cNvPr id="18" name="모서리가 둥근 직사각형 17"/>
+            <p:cNvSpPr/>
+            <p:nvPr/>
+          </p:nvSpPr>
+          <p:spPr>
+            <a:xfrm>
+              <a:off x="610001" y="4177363"/>
+              <a:ext cx="2166285" cy="2030930"/>
+            </a:xfrm>
+            <a:prstGeom prst="roundRect">
+              <a:avLst/>
+            </a:prstGeom>
+            <a:ln/>
+          </p:spPr>
+          <p:style>
+            <a:lnRef idx="3">
+              <a:schemeClr val="lt1"/>
+            </a:lnRef>
+            <a:fillRef idx="1">
+              <a:schemeClr val="accent2"/>
+            </a:fillRef>
+            <a:effectRef idx="1">
+              <a:schemeClr val="accent2"/>
+            </a:effectRef>
+            <a:fontRef idx="minor">
+              <a:schemeClr val="lt1"/>
+            </a:fontRef>
+          </p:style>
+          <p:txBody>
+            <a:bodyPr rtlCol="0" anchor="ctr"/>
+            <a:lstStyle/>
+            <a:p>
+              <a:pPr algn="ctr"/>
+              <a:r>
+                <a:rPr lang="ko-KR" altLang="en-US" dirty="0" smtClean="0"/>
+                <a:t>활성화</a:t>
+              </a:r>
+              <a:endParaRPr lang="ko-KR" altLang="en-US" dirty="0"/>
+            </a:p>
+          </p:txBody>
+        </p:sp>
+        <p:sp>
+          <p:nvSpPr>
+            <p:cNvPr id="19" name="모서리가 둥근 직사각형 18"/>
+            <p:cNvSpPr/>
+            <p:nvPr/>
+          </p:nvSpPr>
+          <p:spPr>
+            <a:xfrm>
+              <a:off x="2799750" y="2098308"/>
+              <a:ext cx="2166285" cy="2030930"/>
+            </a:xfrm>
+            <a:prstGeom prst="roundRect">
+              <a:avLst/>
+            </a:prstGeom>
+            <a:ln/>
+          </p:spPr>
+          <p:style>
+            <a:lnRef idx="3">
+              <a:schemeClr val="lt1"/>
+            </a:lnRef>
+            <a:fillRef idx="1">
+              <a:schemeClr val="dk1"/>
+            </a:fillRef>
+            <a:effectRef idx="1">
+              <a:schemeClr val="dk1"/>
+            </a:effectRef>
+            <a:fontRef idx="minor">
+              <a:schemeClr val="lt1"/>
+            </a:fontRef>
+          </p:style>
+          <p:txBody>
+            <a:bodyPr rtlCol="0" anchor="ctr"/>
+            <a:lstStyle/>
+            <a:p>
+              <a:pPr algn="ctr"/>
+              <a:r>
+                <a:rPr lang="ko-KR" altLang="en-US" dirty="0" smtClean="0"/>
+                <a:t>비활성화</a:t>
+              </a:r>
+              <a:endParaRPr lang="ko-KR" altLang="en-US" dirty="0"/>
+            </a:p>
+          </p:txBody>
+        </p:sp>
+        <p:sp>
+          <p:nvSpPr>
+            <p:cNvPr id="20" name="모서리가 둥근 직사각형 19"/>
+            <p:cNvSpPr/>
+            <p:nvPr/>
+          </p:nvSpPr>
+          <p:spPr>
+            <a:xfrm>
+              <a:off x="2799750" y="4177363"/>
+              <a:ext cx="2166285" cy="2030930"/>
+            </a:xfrm>
+            <a:prstGeom prst="roundRect">
+              <a:avLst/>
+            </a:prstGeom>
+            <a:ln/>
+          </p:spPr>
+          <p:style>
+            <a:lnRef idx="3">
+              <a:schemeClr val="lt1"/>
+            </a:lnRef>
+            <a:fillRef idx="1">
+              <a:schemeClr val="accent2"/>
+            </a:fillRef>
+            <a:effectRef idx="1">
+              <a:schemeClr val="accent2"/>
+            </a:effectRef>
+            <a:fontRef idx="minor">
+              <a:schemeClr val="lt1"/>
+            </a:fontRef>
+          </p:style>
+          <p:txBody>
+            <a:bodyPr rtlCol="0" anchor="ctr"/>
+            <a:lstStyle/>
+            <a:p>
+              <a:pPr algn="ctr"/>
+              <a:r>
+                <a:rPr lang="ko-KR" altLang="en-US" dirty="0" smtClean="0"/>
+                <a:t>활성화</a:t>
+              </a:r>
+              <a:endParaRPr lang="ko-KR" altLang="en-US" dirty="0"/>
+            </a:p>
+          </p:txBody>
+        </p:sp>
+      </p:grpSp>
       <p:pic>
         <p:nvPicPr>
           <p:cNvPr id="21" name="Picture 2"/>
@@ -11730,23 +11705,7 @@
             </a:r>
             <a:r>
               <a:rPr lang="ko-KR" altLang="en-US" dirty="0" smtClean="0"/>
-              <a:t> 가장 직관적으로 </a:t>
-            </a:r>
-            <a:r>
-              <a:rPr lang="ko-KR" altLang="en-US" dirty="0" smtClean="0"/>
-              <a:t>확인가능 </a:t>
-            </a:r>
-            <a:r>
-              <a:rPr lang="ko-KR" altLang="en-US" dirty="0" smtClean="0"/>
-              <a:t>정보는 </a:t>
-            </a:r>
-            <a:r>
-              <a:rPr lang="ko-KR" altLang="en-US" dirty="0" smtClean="0"/>
-              <a:t>최대한 한눈에 볼 수 있도록 </a:t>
-            </a:r>
-            <a:r>
-              <a:rPr lang="ko-KR" altLang="en-US" dirty="0" smtClean="0"/>
-              <a:t>배치한다</a:t>
+              <a:t> 가장 직관적으로 확인가능 정보는 최대한 한눈에 볼 수 있도록 배치한다</a:t>
             </a:r>
             <a:r>
               <a:rPr lang="en-US" altLang="ko-KR" dirty="0" smtClean="0"/>
